--- a/NSWtripplanner.pptx
+++ b/NSWtripplanner.pptx
@@ -13,7 +13,8 @@
     <p:sldId id="260" r:id="rId7"/>
     <p:sldId id="261" r:id="rId8"/>
     <p:sldId id="263" r:id="rId9"/>
-    <p:sldId id="264" r:id="rId10"/>
+    <p:sldId id="265" r:id="rId10"/>
+    <p:sldId id="264" r:id="rId11"/>
   </p:sldIdLst>
   <p:sldSz cx="12192000" cy="6858000"/>
   <p:notesSz cx="6858000" cy="9144000"/>
@@ -112,6 +113,11 @@
       </a:defRPr>
     </a:lvl9pPr>
   </p:defaultTextStyle>
+  <p:extLst>
+    <p:ext uri="{EFAFB233-063F-42B5-8137-9DF3F51BA10A}">
+      <p15:sldGuideLst xmlns:p15="http://schemas.microsoft.com/office/powerpoint/2012/main"/>
+    </p:ext>
+  </p:extLst>
 </p:presentation>
 </file>
 
@@ -451,7 +457,7 @@
             <a:fld id="{5923F103-BC34-4FE4-A40E-EDDEECFDA5D0}" type="datetimeFigureOut">
               <a:rPr lang="en-US" smtClean="0"/>
               <a:pPr/>
-              <a:t>10/18/17</a:t>
+              <a:t>10/19/17</a:t>
             </a:fld>
             <a:endParaRPr lang="en-US" dirty="0"/>
           </a:p>
@@ -1535,7 +1541,7 @@
           <a:p>
             <a:fld id="{2BE451C3-0FF4-47C4-B829-773ADF60F88C}" type="datetimeFigureOut">
               <a:rPr lang="en-US" smtClean="0"/>
-              <a:t>10/18/17</a:t>
+              <a:t>10/19/17</a:t>
             </a:fld>
             <a:endParaRPr lang="en-US" dirty="0"/>
           </a:p>
@@ -2512,7 +2518,7 @@
           <a:p>
             <a:fld id="{2BE451C3-0FF4-47C4-B829-773ADF60F88C}" type="datetimeFigureOut">
               <a:rPr lang="en-US" smtClean="0"/>
-              <a:t>10/18/17</a:t>
+              <a:t>10/19/17</a:t>
             </a:fld>
             <a:endParaRPr lang="en-US" dirty="0"/>
           </a:p>
@@ -3643,7 +3649,7 @@
           <a:p>
             <a:fld id="{2BE451C3-0FF4-47C4-B829-773ADF60F88C}" type="datetimeFigureOut">
               <a:rPr lang="en-US" smtClean="0"/>
-              <a:t>10/18/17</a:t>
+              <a:t>10/19/17</a:t>
             </a:fld>
             <a:endParaRPr lang="en-US" dirty="0"/>
           </a:p>
@@ -4673,7 +4679,7 @@
           <a:p>
             <a:fld id="{2BE451C3-0FF4-47C4-B829-773ADF60F88C}" type="datetimeFigureOut">
               <a:rPr lang="en-US" smtClean="0"/>
-              <a:t>10/18/17</a:t>
+              <a:t>10/19/17</a:t>
             </a:fld>
             <a:endParaRPr lang="en-US" dirty="0"/>
           </a:p>
@@ -5330,7 +5336,7 @@
           <a:p>
             <a:fld id="{2BE451C3-0FF4-47C4-B829-773ADF60F88C}" type="datetimeFigureOut">
               <a:rPr lang="en-US" smtClean="0"/>
-              <a:t>10/18/17</a:t>
+              <a:t>10/19/17</a:t>
             </a:fld>
             <a:endParaRPr lang="en-US" dirty="0"/>
           </a:p>
@@ -6188,7 +6194,7 @@
           <a:p>
             <a:fld id="{2BE451C3-0FF4-47C4-B829-773ADF60F88C}" type="datetimeFigureOut">
               <a:rPr lang="en-US" smtClean="0"/>
-              <a:t>10/18/17</a:t>
+              <a:t>10/19/17</a:t>
             </a:fld>
             <a:endParaRPr lang="en-US" dirty="0"/>
           </a:p>
@@ -6375,7 +6381,7 @@
           <a:p>
             <a:fld id="{53086D93-FCAC-47E0-A2EE-787E62CA814C}" type="datetimeFigureOut">
               <a:rPr lang="en-US" smtClean="0"/>
-              <a:t>10/18/17</a:t>
+              <a:t>10/19/17</a:t>
             </a:fld>
             <a:endParaRPr lang="en-US" dirty="0"/>
           </a:p>
@@ -7343,7 +7349,7 @@
           <a:p>
             <a:fld id="{CDA879A6-0FD0-4734-A311-86BFCA472E6E}" type="datetimeFigureOut">
               <a:rPr lang="en-US" smtClean="0"/>
-              <a:t>10/18/17</a:t>
+              <a:t>10/19/17</a:t>
             </a:fld>
             <a:endParaRPr lang="en-US" dirty="0"/>
           </a:p>
@@ -7550,7 +7556,7 @@
           <a:p>
             <a:fld id="{19C9CA7B-DFD4-44B5-8C60-D14B8CD1FB59}" type="datetimeFigureOut">
               <a:rPr lang="en-US" smtClean="0"/>
-              <a:t>10/18/17</a:t>
+              <a:t>10/19/17</a:t>
             </a:fld>
             <a:endParaRPr lang="en-US" dirty="0"/>
           </a:p>
@@ -8580,7 +8586,7 @@
           <a:p>
             <a:fld id="{F34E6425-0181-43F2-84FC-787E803FD2F8}" type="datetimeFigureOut">
               <a:rPr lang="en-US" smtClean="0"/>
-              <a:t>10/18/17</a:t>
+              <a:t>10/19/17</a:t>
             </a:fld>
             <a:endParaRPr lang="en-US" dirty="0"/>
           </a:p>
@@ -8848,7 +8854,7 @@
           <a:p>
             <a:fld id="{3BDB8791-F1B0-41E7-B7FD-A781E65C4266}" type="datetimeFigureOut">
               <a:rPr lang="en-US" smtClean="0"/>
-              <a:t>10/18/17</a:t>
+              <a:t>10/19/17</a:t>
             </a:fld>
             <a:endParaRPr lang="en-US" dirty="0"/>
           </a:p>
@@ -9254,7 +9260,7 @@
           <a:p>
             <a:fld id="{5FDD63B2-E120-4ED8-B27B-C685F510A5FE}" type="datetimeFigureOut">
               <a:rPr lang="en-US" smtClean="0"/>
-              <a:t>10/18/17</a:t>
+              <a:t>10/19/17</a:t>
             </a:fld>
             <a:endParaRPr lang="en-US" dirty="0"/>
           </a:p>
@@ -9377,7 +9383,7 @@
           <a:p>
             <a:fld id="{7AA18ACC-A947-437B-A130-35BD54FDF1E9}" type="datetimeFigureOut">
               <a:rPr lang="en-US" smtClean="0"/>
-              <a:t>10/18/17</a:t>
+              <a:t>10/19/17</a:t>
             </a:fld>
             <a:endParaRPr lang="en-US" dirty="0"/>
           </a:p>
@@ -9468,7 +9474,7 @@
           <a:p>
             <a:fld id="{7C8D7E02-BCB8-4D50-A234-369438C08659}" type="datetimeFigureOut">
               <a:rPr lang="en-US" smtClean="0"/>
-              <a:t>10/18/17</a:t>
+              <a:t>10/19/17</a:t>
             </a:fld>
             <a:endParaRPr lang="en-US" dirty="0"/>
           </a:p>
@@ -10545,7 +10551,7 @@
           <a:p>
             <a:fld id="{76E86A4C-8E40-4F87-A4F0-01A0687C5742}" type="datetimeFigureOut">
               <a:rPr lang="en-US" smtClean="0"/>
-              <a:t>10/18/17</a:t>
+              <a:t>10/19/17</a:t>
             </a:fld>
             <a:endParaRPr lang="en-US" dirty="0"/>
           </a:p>
@@ -11649,7 +11655,7 @@
           <a:p>
             <a:fld id="{35E72C73-2D91-4E12-BA25-F0AA0C03599B}" type="datetimeFigureOut">
               <a:rPr lang="en-US" smtClean="0"/>
-              <a:t>10/18/17</a:t>
+              <a:t>10/19/17</a:t>
             </a:fld>
             <a:endParaRPr lang="en-US" dirty="0"/>
           </a:p>
@@ -12642,7 +12648,7 @@
           <a:p>
             <a:fld id="{2BE451C3-0FF4-47C4-B829-773ADF60F88C}" type="datetimeFigureOut">
               <a:rPr lang="en-US" smtClean="0"/>
-              <a:t>10/18/17</a:t>
+              <a:t>10/19/17</a:t>
             </a:fld>
             <a:endParaRPr lang="en-US" dirty="0"/>
           </a:p>
@@ -13269,6 +13275,79 @@
 </p:sld>
 </file>
 
+<file path=ppt/slides/slide10.xml><?xml version="1.0" encoding="utf-8"?>
+<p:sld xmlns:a="http://schemas.openxmlformats.org/drawingml/2006/main" xmlns:r="http://schemas.openxmlformats.org/officeDocument/2006/relationships" xmlns:p="http://schemas.openxmlformats.org/presentationml/2006/main">
+  <p:cSld>
+    <p:spTree>
+      <p:nvGrpSpPr>
+        <p:cNvPr id="1" name=""/>
+        <p:cNvGrpSpPr/>
+        <p:nvPr/>
+      </p:nvGrpSpPr>
+      <p:grpSpPr>
+        <a:xfrm>
+          <a:off x="0" y="0"/>
+          <a:ext cx="0" cy="0"/>
+          <a:chOff x="0" y="0"/>
+          <a:chExt cx="0" cy="0"/>
+        </a:xfrm>
+      </p:grpSpPr>
+      <p:sp>
+        <p:nvSpPr>
+          <p:cNvPr id="2" name="Title 1"/>
+          <p:cNvSpPr>
+            <a:spLocks noGrp="1"/>
+          </p:cNvSpPr>
+          <p:nvPr>
+            <p:ph type="title"/>
+          </p:nvPr>
+        </p:nvSpPr>
+        <p:spPr>
+          <a:xfrm>
+            <a:off x="4427621" y="1973179"/>
+            <a:ext cx="6926178" cy="1913021"/>
+          </a:xfrm>
+        </p:spPr>
+        <p:txBody>
+          <a:bodyPr/>
+          <a:lstStyle/>
+          <a:p>
+            <a:r>
+              <a:rPr lang="en-US" dirty="0" smtClean="0">
+                <a:solidFill>
+                  <a:schemeClr val="tx1"/>
+                </a:solidFill>
+              </a:rPr>
+              <a:t>Thank you !!</a:t>
+            </a:r>
+            <a:endParaRPr lang="en-US" dirty="0">
+              <a:solidFill>
+                <a:schemeClr val="tx1"/>
+              </a:solidFill>
+            </a:endParaRPr>
+          </a:p>
+        </p:txBody>
+      </p:sp>
+    </p:spTree>
+    <p:extLst>
+      <p:ext uri="{BB962C8B-B14F-4D97-AF65-F5344CB8AC3E}">
+        <p14:creationId xmlns:p14="http://schemas.microsoft.com/office/powerpoint/2010/main" val="280156183"/>
+      </p:ext>
+    </p:extLst>
+  </p:cSld>
+  <p:clrMapOvr>
+    <a:masterClrMapping/>
+  </p:clrMapOvr>
+  <p:timing>
+    <p:tnLst>
+      <p:par>
+        <p:cTn id="1" dur="indefinite" restart="never" nodeType="tmRoot"/>
+      </p:par>
+    </p:tnLst>
+  </p:timing>
+</p:sld>
+</file>
+
 <file path=ppt/slides/slide2.xml><?xml version="1.0" encoding="utf-8"?>
 <p:sld xmlns:a="http://schemas.openxmlformats.org/drawingml/2006/main" xmlns:r="http://schemas.openxmlformats.org/officeDocument/2006/relationships" xmlns:p="http://schemas.openxmlformats.org/presentationml/2006/main">
   <p:cSld>
@@ -14192,49 +14271,78 @@
             <p:ph type="title"/>
           </p:nvPr>
         </p:nvSpPr>
-        <p:spPr>
-          <a:xfrm>
-            <a:off x="4427621" y="1973179"/>
-            <a:ext cx="6926178" cy="1913021"/>
-          </a:xfrm>
-        </p:spPr>
+        <p:spPr/>
         <p:txBody>
           <a:bodyPr/>
           <a:lstStyle/>
           <a:p>
             <a:r>
-              <a:rPr lang="en-US" dirty="0" smtClean="0">
-                <a:solidFill>
-                  <a:schemeClr val="tx1"/>
-                </a:solidFill>
-              </a:rPr>
-              <a:t>Thank you !!</a:t>
-            </a:r>
-            <a:endParaRPr lang="en-US" dirty="0">
-              <a:solidFill>
-                <a:schemeClr val="tx1"/>
-              </a:solidFill>
-            </a:endParaRPr>
+              <a:rPr lang="en-US" dirty="0" smtClean="0"/>
+              <a:t>Recommended Next steps</a:t>
+            </a:r>
+            <a:endParaRPr lang="en-US" dirty="0"/>
+          </a:p>
+        </p:txBody>
+      </p:sp>
+      <p:sp>
+        <p:nvSpPr>
+          <p:cNvPr id="3" name="Content Placeholder 2"/>
+          <p:cNvSpPr>
+            <a:spLocks noGrp="1"/>
+          </p:cNvSpPr>
+          <p:nvPr>
+            <p:ph idx="1"/>
+          </p:nvPr>
+        </p:nvSpPr>
+        <p:spPr/>
+        <p:txBody>
+          <a:bodyPr/>
+          <a:lstStyle/>
+          <a:p>
+            <a:r>
+              <a:rPr lang="en-US" dirty="0" smtClean="0"/>
+              <a:t>To build a complete automation framework, we can adopt </a:t>
+            </a:r>
+            <a:r>
+              <a:rPr lang="en-US" b="1" dirty="0" smtClean="0"/>
+              <a:t>Hybrid Framework(data driven + Keyword driven )</a:t>
+            </a:r>
+            <a:r>
+              <a:rPr lang="en-US" dirty="0" smtClean="0"/>
+              <a:t>where we can read different station names from the excel file and ensure if the result is retrieved . </a:t>
+            </a:r>
+          </a:p>
+          <a:p>
+            <a:r>
+              <a:rPr lang="en-US" dirty="0" smtClean="0"/>
+              <a:t>More factors like all browser types, </a:t>
+            </a:r>
+            <a:r>
+              <a:rPr lang="en-US" smtClean="0"/>
+              <a:t>OS have </a:t>
+            </a:r>
+            <a:r>
+              <a:rPr lang="en-US" dirty="0" smtClean="0"/>
+              <a:t>to </a:t>
+            </a:r>
+            <a:r>
+              <a:rPr lang="en-US" smtClean="0"/>
+              <a:t>be considered .</a:t>
+            </a:r>
+            <a:endParaRPr lang="en-US" dirty="0"/>
           </a:p>
         </p:txBody>
       </p:sp>
     </p:spTree>
     <p:extLst>
       <p:ext uri="{BB962C8B-B14F-4D97-AF65-F5344CB8AC3E}">
-        <p14:creationId xmlns:p14="http://schemas.microsoft.com/office/powerpoint/2010/main" val="280156183"/>
+        <p14:creationId xmlns:p14="http://schemas.microsoft.com/office/powerpoint/2010/main" val="1985912828"/>
       </p:ext>
     </p:extLst>
   </p:cSld>
   <p:clrMapOvr>
     <a:masterClrMapping/>
   </p:clrMapOvr>
-  <p:timing>
-    <p:tnLst>
-      <p:par>
-        <p:cTn id="1" dur="indefinite" restart="never" nodeType="tmRoot"/>
-      </p:par>
-    </p:tnLst>
-  </p:timing>
 </p:sld>
 </file>
 
